--- a/inst/mnb100.pptx
+++ b/inst/mnb100.pptx
@@ -3797,8 +3797,8 @@
         </p:nvSpPr>
         <p:spPr>
           <a:xfrm>
-            <a:off x="1" y="0"/>
-            <a:ext cx="9156902" cy="5156215"/>
+            <a:off x="1" y="295275"/>
+            <a:ext cx="9156902" cy="4860940"/>
           </a:xfrm>
           <a:prstGeom prst="rect">
             <a:avLst/>
@@ -3872,8 +3872,8 @@
         </p:blipFill>
         <p:spPr>
           <a:xfrm>
-            <a:off x="1" y="-13987"/>
-            <a:ext cx="9067917" cy="754766"/>
+            <a:off x="1" y="0"/>
+            <a:ext cx="9143999" cy="740778"/>
           </a:xfrm>
           <a:prstGeom prst="rect">
             <a:avLst/>
@@ -3951,38 +3951,6 @@
       </p:sp>
       <p:sp>
         <p:nvSpPr>
-          <p:cNvPr id="2" name="Title Placeholder 1"/>
-          <p:cNvSpPr>
-            <a:spLocks noGrp="1"/>
-          </p:cNvSpPr>
-          <p:nvPr>
-            <p:ph type="title"/>
-          </p:nvPr>
-        </p:nvSpPr>
-        <p:spPr>
-          <a:xfrm>
-            <a:off x="149086" y="-19879"/>
-            <a:ext cx="7852031" cy="857250"/>
-          </a:xfrm>
-          <a:prstGeom prst="rect">
-            <a:avLst/>
-          </a:prstGeom>
-        </p:spPr>
-        <p:txBody>
-          <a:bodyPr vert="horz" lIns="91440" tIns="45720" rIns="91440" bIns="45720" rtlCol="0" anchor="ctr">
-            <a:normAutofit/>
-          </a:bodyPr>
-          <a:lstStyle/>
-          <a:p>
-            <a:r>
-              <a:rPr lang="en-US" dirty="0"/>
-              <a:t>Click to edit Master title style</a:t>
-            </a:r>
-          </a:p>
-        </p:txBody>
-      </p:sp>
-      <p:sp>
-        <p:nvSpPr>
           <p:cNvPr id="3" name="Text Placeholder 2"/>
           <p:cNvSpPr>
             <a:spLocks noGrp="1"/>
@@ -4131,6 +4099,38 @@
           </a:effectLst>
         </p:spPr>
       </p:pic>
+      <p:sp>
+        <p:nvSpPr>
+          <p:cNvPr id="2" name="Title Placeholder 1"/>
+          <p:cNvSpPr>
+            <a:spLocks noGrp="1"/>
+          </p:cNvSpPr>
+          <p:nvPr>
+            <p:ph type="title"/>
+          </p:nvPr>
+        </p:nvSpPr>
+        <p:spPr>
+          <a:xfrm>
+            <a:off x="149086" y="-19879"/>
+            <a:ext cx="7852031" cy="857250"/>
+          </a:xfrm>
+          <a:prstGeom prst="rect">
+            <a:avLst/>
+          </a:prstGeom>
+        </p:spPr>
+        <p:txBody>
+          <a:bodyPr vert="horz" lIns="91440" tIns="45720" rIns="91440" bIns="45720" rtlCol="0" anchor="ctr">
+            <a:normAutofit/>
+          </a:bodyPr>
+          <a:lstStyle/>
+          <a:p>
+            <a:r>
+              <a:rPr lang="en-US" dirty="0"/>
+              <a:t>Click to edit Master title style</a:t>
+            </a:r>
+          </a:p>
+        </p:txBody>
+      </p:sp>
     </p:spTree>
     <p:extLst>
       <p:ext uri="{BB962C8B-B14F-4D97-AF65-F5344CB8AC3E}">

--- a/inst/mnb100.pptx
+++ b/inst/mnb100.pptx
@@ -807,7 +807,7 @@
           <a:lstStyle/>
           <a:p>
             <a:pPr algn="ctr"/>
-            <a:endParaRPr lang="hu-HU" sz="1800"/>
+            <a:endParaRPr lang="hu-HU" sz="1800" noProof="0"/>
           </a:p>
         </p:txBody>
       </p:sp>
@@ -843,9 +843,42 @@
           </a:lstStyle>
           <a:p>
             <a:r>
-              <a:rPr lang="en-US" dirty="0"/>
-              <a:t>Click to edit Master title style</a:t>
-            </a:r>
+              <a:rPr lang="hu-HU" noProof="0" dirty="0" err="1"/>
+              <a:t>Click</a:t>
+            </a:r>
+            <a:r>
+              <a:rPr lang="hu-HU" noProof="0" dirty="0"/>
+              <a:t> </a:t>
+            </a:r>
+            <a:r>
+              <a:rPr lang="hu-HU" noProof="0" dirty="0" err="1"/>
+              <a:t>to</a:t>
+            </a:r>
+            <a:r>
+              <a:rPr lang="hu-HU" noProof="0" dirty="0"/>
+              <a:t> </a:t>
+            </a:r>
+            <a:r>
+              <a:rPr lang="hu-HU" noProof="0" dirty="0" err="1"/>
+              <a:t>edit</a:t>
+            </a:r>
+            <a:r>
+              <a:rPr lang="hu-HU" noProof="0" dirty="0"/>
+              <a:t> Master </a:t>
+            </a:r>
+            <a:r>
+              <a:rPr lang="hu-HU" noProof="0" dirty="0" err="1"/>
+              <a:t>title</a:t>
+            </a:r>
+            <a:r>
+              <a:rPr lang="hu-HU" noProof="0" dirty="0"/>
+              <a:t> </a:t>
+            </a:r>
+            <a:r>
+              <a:rPr lang="hu-HU" noProof="0" dirty="0" err="1"/>
+              <a:t>style</a:t>
+            </a:r>
+            <a:endParaRPr lang="hu-HU" noProof="0" dirty="0"/>
           </a:p>
         </p:txBody>
       </p:sp>
@@ -962,7 +995,7 @@
           </a:lstStyle>
           <a:p>
             <a:r>
-              <a:rPr lang="en-US" dirty="0"/>
+              <a:rPr lang="hu-HU" noProof="0"/>
               <a:t>Click to edit Master subtitle style</a:t>
             </a:r>
           </a:p>
@@ -1000,11 +1033,11 @@
           </a:lstStyle>
           <a:p>
             <a:fld id="{241EB5C9-1307-BA42-ABA2-0BC069CD8E7F}" type="datetimeFigureOut">
-              <a:rPr lang="en-US" smtClean="0"/>
+              <a:rPr lang="hu-HU" noProof="0" smtClean="0"/>
               <a:pPr/>
               <a:t>12/27/24</a:t>
             </a:fld>
-            <a:endParaRPr lang="en-US" dirty="0"/>
+            <a:endParaRPr lang="hu-HU" noProof="0"/>
           </a:p>
         </p:txBody>
       </p:sp>
@@ -1039,7 +1072,7 @@
             </a:lvl1pPr>
           </a:lstStyle>
           <a:p>
-            <a:endParaRPr lang="en-US" dirty="0"/>
+            <a:endParaRPr lang="hu-HU" noProof="0"/>
           </a:p>
         </p:txBody>
       </p:sp>
@@ -1277,37 +1310,6 @@
       </p:sp>
       <p:sp>
         <p:nvSpPr>
-          <p:cNvPr id="4" name="Date Placeholder 3"/>
-          <p:cNvSpPr>
-            <a:spLocks noGrp="1"/>
-          </p:cNvSpPr>
-          <p:nvPr>
-            <p:ph type="dt" sz="half" idx="10"/>
-          </p:nvPr>
-        </p:nvSpPr>
-        <p:spPr>
-          <a:xfrm>
-            <a:off x="457200" y="4767263"/>
-            <a:ext cx="2133600" cy="273844"/>
-          </a:xfrm>
-          <a:prstGeom prst="rect">
-            <a:avLst/>
-          </a:prstGeom>
-        </p:spPr>
-        <p:txBody>
-          <a:bodyPr/>
-          <a:lstStyle/>
-          <a:p>
-            <a:fld id="{241EB5C9-1307-BA42-ABA2-0BC069CD8E7F}" type="datetimeFigureOut">
-              <a:rPr lang="en-US" smtClean="0"/>
-              <a:t>12/27/24</a:t>
-            </a:fld>
-            <a:endParaRPr lang="en-US"/>
-          </a:p>
-        </p:txBody>
-      </p:sp>
-      <p:sp>
-        <p:nvSpPr>
           <p:cNvPr id="5" name="Footer Placeholder 4"/>
           <p:cNvSpPr>
             <a:spLocks noGrp="1"/>
@@ -1466,37 +1468,6 @@
               <a:rPr lang="en-US"/>
               <a:t>Fifth level</a:t>
             </a:r>
-          </a:p>
-        </p:txBody>
-      </p:sp>
-      <p:sp>
-        <p:nvSpPr>
-          <p:cNvPr id="4" name="Date Placeholder 3"/>
-          <p:cNvSpPr>
-            <a:spLocks noGrp="1"/>
-          </p:cNvSpPr>
-          <p:nvPr>
-            <p:ph type="dt" sz="half" idx="10"/>
-          </p:nvPr>
-        </p:nvSpPr>
-        <p:spPr>
-          <a:xfrm>
-            <a:off x="457200" y="4767263"/>
-            <a:ext cx="2133600" cy="273844"/>
-          </a:xfrm>
-          <a:prstGeom prst="rect">
-            <a:avLst/>
-          </a:prstGeom>
-        </p:spPr>
-        <p:txBody>
-          <a:bodyPr/>
-          <a:lstStyle/>
-          <a:p>
-            <a:fld id="{241EB5C9-1307-BA42-ABA2-0BC069CD8E7F}" type="datetimeFigureOut">
-              <a:rPr lang="en-US" smtClean="0"/>
-              <a:t>12/27/24</a:t>
-            </a:fld>
-            <a:endParaRPr lang="en-US"/>
           </a:p>
         </p:txBody>
       </p:sp>
@@ -1680,7 +1651,7 @@
           <a:lstStyle/>
           <a:p>
             <a:pPr algn="ctr"/>
-            <a:endParaRPr lang="hu-HU" sz="1800"/>
+            <a:endParaRPr lang="hu-HU" sz="1800" noProof="0"/>
           </a:p>
         </p:txBody>
       </p:sp>
@@ -1839,7 +1810,7 @@
           <a:p>
             <a:pPr lvl="0"/>
             <a:r>
-              <a:rPr lang="en-US" dirty="0"/>
+              <a:rPr lang="hu-HU" noProof="0"/>
               <a:t>Click to edit Master text styles</a:t>
             </a:r>
           </a:p>
@@ -1870,7 +1841,7 @@
           </a:lstStyle>
           <a:p>
             <a:r>
-              <a:rPr lang="en-US" dirty="0"/>
+              <a:rPr lang="hu-HU" noProof="0"/>
               <a:t>Click to edit Master title style</a:t>
             </a:r>
           </a:p>
@@ -2009,7 +1980,7 @@
           <a:lstStyle/>
           <a:p>
             <a:r>
-              <a:rPr lang="en-US"/>
+              <a:rPr lang="hu-HU" noProof="0"/>
               <a:t>Click to edit Master title style</a:t>
             </a:r>
           </a:p>
@@ -2058,35 +2029,35 @@
           <a:p>
             <a:pPr lvl="0"/>
             <a:r>
-              <a:rPr lang="en-US" dirty="0"/>
+              <a:rPr lang="hu-HU" noProof="0"/>
               <a:t>Click to edit Master text styles</a:t>
             </a:r>
           </a:p>
           <a:p>
             <a:pPr lvl="1"/>
             <a:r>
-              <a:rPr lang="en-US" dirty="0"/>
+              <a:rPr lang="hu-HU" noProof="0"/>
               <a:t>Second level</a:t>
             </a:r>
           </a:p>
           <a:p>
             <a:pPr lvl="2"/>
             <a:r>
-              <a:rPr lang="en-US" dirty="0"/>
+              <a:rPr lang="hu-HU" noProof="0"/>
               <a:t>Third level</a:t>
             </a:r>
           </a:p>
           <a:p>
             <a:pPr lvl="3"/>
             <a:r>
-              <a:rPr lang="en-US" dirty="0"/>
+              <a:rPr lang="hu-HU" noProof="0"/>
               <a:t>Fourth level</a:t>
             </a:r>
           </a:p>
           <a:p>
             <a:pPr lvl="4"/>
             <a:r>
-              <a:rPr lang="en-US" dirty="0"/>
+              <a:rPr lang="hu-HU" noProof="0"/>
               <a:t>Fifth level</a:t>
             </a:r>
           </a:p>
@@ -2094,18 +2065,18 @@
       </p:sp>
       <p:sp>
         <p:nvSpPr>
-          <p:cNvPr id="4" name="Date Placeholder 3"/>
-          <p:cNvSpPr>
-            <a:spLocks noGrp="1"/>
-          </p:cNvSpPr>
-          <p:nvPr>
-            <p:ph type="dt" sz="half" idx="10"/>
+          <p:cNvPr id="5" name="Footer Placeholder 4"/>
+          <p:cNvSpPr>
+            <a:spLocks noGrp="1"/>
+          </p:cNvSpPr>
+          <p:nvPr>
+            <p:ph type="ftr" sz="quarter" idx="11"/>
           </p:nvPr>
         </p:nvSpPr>
         <p:spPr>
           <a:xfrm>
-            <a:off x="457200" y="4767263"/>
-            <a:ext cx="2133600" cy="273844"/>
+            <a:off x="3124200" y="4767263"/>
+            <a:ext cx="2895600" cy="273844"/>
           </a:xfrm>
           <a:prstGeom prst="rect">
             <a:avLst/>
@@ -2115,61 +2086,30 @@
           <a:bodyPr/>
           <a:lstStyle/>
           <a:p>
-            <a:fld id="{241EB5C9-1307-BA42-ABA2-0BC069CD8E7F}" type="datetimeFigureOut">
-              <a:rPr lang="en-US" smtClean="0"/>
-              <a:t>12/27/24</a:t>
-            </a:fld>
-            <a:endParaRPr lang="en-US"/>
-          </a:p>
-        </p:txBody>
-      </p:sp>
-      <p:sp>
-        <p:nvSpPr>
-          <p:cNvPr id="5" name="Footer Placeholder 4"/>
-          <p:cNvSpPr>
-            <a:spLocks noGrp="1"/>
-          </p:cNvSpPr>
-          <p:nvPr>
-            <p:ph type="ftr" sz="quarter" idx="11"/>
-          </p:nvPr>
-        </p:nvSpPr>
-        <p:spPr>
-          <a:xfrm>
-            <a:off x="3124200" y="4767263"/>
-            <a:ext cx="2895600" cy="273844"/>
-          </a:xfrm>
-          <a:prstGeom prst="rect">
-            <a:avLst/>
-          </a:prstGeom>
-        </p:spPr>
+            <a:endParaRPr lang="hu-HU" noProof="0"/>
+          </a:p>
+        </p:txBody>
+      </p:sp>
+      <p:sp>
+        <p:nvSpPr>
+          <p:cNvPr id="6" name="Slide Number Placeholder 5"/>
+          <p:cNvSpPr>
+            <a:spLocks noGrp="1"/>
+          </p:cNvSpPr>
+          <p:nvPr>
+            <p:ph type="sldNum" sz="quarter" idx="12"/>
+          </p:nvPr>
+        </p:nvSpPr>
+        <p:spPr/>
         <p:txBody>
           <a:bodyPr/>
           <a:lstStyle/>
           <a:p>
-            <a:endParaRPr lang="en-US"/>
-          </a:p>
-        </p:txBody>
-      </p:sp>
-      <p:sp>
-        <p:nvSpPr>
-          <p:cNvPr id="6" name="Slide Number Placeholder 5"/>
-          <p:cNvSpPr>
-            <a:spLocks noGrp="1"/>
-          </p:cNvSpPr>
-          <p:nvPr>
-            <p:ph type="sldNum" sz="quarter" idx="12"/>
-          </p:nvPr>
-        </p:nvSpPr>
-        <p:spPr/>
-        <p:txBody>
-          <a:bodyPr/>
-          <a:lstStyle/>
-          <a:p>
             <a:fld id="{C5EF2332-01BF-834F-8236-50238282D533}" type="slidenum">
-              <a:rPr lang="en-US" smtClean="0"/>
+              <a:rPr lang="hu-HU" noProof="0" smtClean="0"/>
               <a:t>‹#›</a:t>
             </a:fld>
-            <a:endParaRPr lang="en-US"/>
+            <a:endParaRPr lang="hu-HU" noProof="0"/>
           </a:p>
         </p:txBody>
       </p:sp>
@@ -2395,37 +2335,6 @@
       </p:sp>
       <p:sp>
         <p:nvSpPr>
-          <p:cNvPr id="5" name="Date Placeholder 4"/>
-          <p:cNvSpPr>
-            <a:spLocks noGrp="1"/>
-          </p:cNvSpPr>
-          <p:nvPr>
-            <p:ph type="dt" sz="half" idx="10"/>
-          </p:nvPr>
-        </p:nvSpPr>
-        <p:spPr>
-          <a:xfrm>
-            <a:off x="457200" y="4767263"/>
-            <a:ext cx="2133600" cy="273844"/>
-          </a:xfrm>
-          <a:prstGeom prst="rect">
-            <a:avLst/>
-          </a:prstGeom>
-        </p:spPr>
-        <p:txBody>
-          <a:bodyPr/>
-          <a:lstStyle/>
-          <a:p>
-            <a:fld id="{241EB5C9-1307-BA42-ABA2-0BC069CD8E7F}" type="datetimeFigureOut">
-              <a:rPr lang="en-US" smtClean="0"/>
-              <a:t>12/27/24</a:t>
-            </a:fld>
-            <a:endParaRPr lang="en-US"/>
-          </a:p>
-        </p:txBody>
-      </p:sp>
-      <p:sp>
-        <p:nvSpPr>
           <p:cNvPr id="6" name="Footer Placeholder 5"/>
           <p:cNvSpPr>
             <a:spLocks noGrp="1"/>
@@ -2830,37 +2739,6 @@
       </p:sp>
       <p:sp>
         <p:nvSpPr>
-          <p:cNvPr id="7" name="Date Placeholder 6"/>
-          <p:cNvSpPr>
-            <a:spLocks noGrp="1"/>
-          </p:cNvSpPr>
-          <p:nvPr>
-            <p:ph type="dt" sz="half" idx="10"/>
-          </p:nvPr>
-        </p:nvSpPr>
-        <p:spPr>
-          <a:xfrm>
-            <a:off x="457200" y="4767263"/>
-            <a:ext cx="2133600" cy="273844"/>
-          </a:xfrm>
-          <a:prstGeom prst="rect">
-            <a:avLst/>
-          </a:prstGeom>
-        </p:spPr>
-        <p:txBody>
-          <a:bodyPr/>
-          <a:lstStyle/>
-          <a:p>
-            <a:fld id="{241EB5C9-1307-BA42-ABA2-0BC069CD8E7F}" type="datetimeFigureOut">
-              <a:rPr lang="en-US" smtClean="0"/>
-              <a:t>12/27/24</a:t>
-            </a:fld>
-            <a:endParaRPr lang="en-US"/>
-          </a:p>
-        </p:txBody>
-      </p:sp>
-      <p:sp>
-        <p:nvSpPr>
           <p:cNvPr id="8" name="Footer Placeholder 7"/>
           <p:cNvSpPr>
             <a:spLocks noGrp="1"/>
@@ -2963,18 +2841,18 @@
       </p:sp>
       <p:sp>
         <p:nvSpPr>
-          <p:cNvPr id="3" name="Date Placeholder 2"/>
-          <p:cNvSpPr>
-            <a:spLocks noGrp="1"/>
-          </p:cNvSpPr>
-          <p:nvPr>
-            <p:ph type="dt" sz="half" idx="10"/>
+          <p:cNvPr id="4" name="Footer Placeholder 3"/>
+          <p:cNvSpPr>
+            <a:spLocks noGrp="1"/>
+          </p:cNvSpPr>
+          <p:nvPr>
+            <p:ph type="ftr" sz="quarter" idx="11"/>
           </p:nvPr>
         </p:nvSpPr>
         <p:spPr>
           <a:xfrm>
-            <a:off x="457200" y="4767263"/>
-            <a:ext cx="2133600" cy="273844"/>
+            <a:off x="3124200" y="4767263"/>
+            <a:ext cx="2895600" cy="273844"/>
           </a:xfrm>
           <a:prstGeom prst="rect">
             <a:avLst/>
@@ -2984,38 +2862,7 @@
           <a:bodyPr/>
           <a:lstStyle/>
           <a:p>
-            <a:fld id="{241EB5C9-1307-BA42-ABA2-0BC069CD8E7F}" type="datetimeFigureOut">
-              <a:rPr lang="en-US" smtClean="0"/>
-              <a:t>12/27/24</a:t>
-            </a:fld>
-            <a:endParaRPr lang="en-US"/>
-          </a:p>
-        </p:txBody>
-      </p:sp>
-      <p:sp>
-        <p:nvSpPr>
-          <p:cNvPr id="4" name="Footer Placeholder 3"/>
-          <p:cNvSpPr>
-            <a:spLocks noGrp="1"/>
-          </p:cNvSpPr>
-          <p:nvPr>
-            <p:ph type="ftr" sz="quarter" idx="11"/>
-          </p:nvPr>
-        </p:nvSpPr>
-        <p:spPr>
-          <a:xfrm>
-            <a:off x="3124200" y="4767263"/>
-            <a:ext cx="2895600" cy="273844"/>
-          </a:xfrm>
-          <a:prstGeom prst="rect">
-            <a:avLst/>
-          </a:prstGeom>
-        </p:spPr>
-        <p:txBody>
-          <a:bodyPr/>
-          <a:lstStyle/>
-          <a:p>
-            <a:endParaRPr lang="en-US"/>
+            <a:endParaRPr lang="en-US" dirty="0"/>
           </a:p>
         </p:txBody>
       </p:sp>
@@ -3074,37 +2921,6 @@
       </p:grpSpPr>
       <p:sp>
         <p:nvSpPr>
-          <p:cNvPr id="2" name="Date Placeholder 1"/>
-          <p:cNvSpPr>
-            <a:spLocks noGrp="1"/>
-          </p:cNvSpPr>
-          <p:nvPr>
-            <p:ph type="dt" sz="half" idx="10"/>
-          </p:nvPr>
-        </p:nvSpPr>
-        <p:spPr>
-          <a:xfrm>
-            <a:off x="457200" y="4767263"/>
-            <a:ext cx="2133600" cy="273844"/>
-          </a:xfrm>
-          <a:prstGeom prst="rect">
-            <a:avLst/>
-          </a:prstGeom>
-        </p:spPr>
-        <p:txBody>
-          <a:bodyPr/>
-          <a:lstStyle/>
-          <a:p>
-            <a:fld id="{241EB5C9-1307-BA42-ABA2-0BC069CD8E7F}" type="datetimeFigureOut">
-              <a:rPr lang="en-US" smtClean="0"/>
-              <a:t>12/27/24</a:t>
-            </a:fld>
-            <a:endParaRPr lang="en-US"/>
-          </a:p>
-        </p:txBody>
-      </p:sp>
-      <p:sp>
-        <p:nvSpPr>
           <p:cNvPr id="3" name="Footer Placeholder 2"/>
           <p:cNvSpPr>
             <a:spLocks noGrp="1"/>
@@ -3195,20 +3011,22 @@
         </p:nvSpPr>
         <p:spPr>
           <a:xfrm>
-            <a:off x="457201" y="204787"/>
-            <a:ext cx="3008313" cy="871538"/>
-          </a:xfrm>
-        </p:spPr>
-        <p:txBody>
-          <a:bodyPr anchor="b"/>
+            <a:off x="189572" y="53548"/>
+            <a:ext cx="7869043" cy="678192"/>
+          </a:xfrm>
+        </p:spPr>
+        <p:txBody>
+          <a:bodyPr anchor="b">
+            <a:noAutofit/>
+          </a:bodyPr>
           <a:lstStyle>
             <a:lvl1pPr algn="l">
-              <a:defRPr sz="1500" b="1"/>
+              <a:defRPr sz="3200" b="1"/>
             </a:lvl1pPr>
           </a:lstStyle>
           <a:p>
             <a:r>
-              <a:rPr lang="en-US"/>
+              <a:rPr lang="en-US" dirty="0"/>
               <a:t>Click to edit Master title style</a:t>
             </a:r>
           </a:p>
@@ -3226,8 +3044,8 @@
         </p:nvSpPr>
         <p:spPr>
           <a:xfrm>
-            <a:off x="3575050" y="204788"/>
-            <a:ext cx="5111750" cy="4389835"/>
+            <a:off x="3575050" y="780585"/>
+            <a:ext cx="5111750" cy="3814038"/>
           </a:xfrm>
         </p:spPr>
         <p:txBody>
@@ -3310,8 +3128,8 @@
         </p:nvSpPr>
         <p:spPr>
           <a:xfrm>
-            <a:off x="457201" y="1076326"/>
-            <a:ext cx="3008313" cy="3518297"/>
+            <a:off x="457201" y="1590907"/>
+            <a:ext cx="3008313" cy="3003716"/>
           </a:xfrm>
         </p:spPr>
         <p:txBody>
@@ -3360,37 +3178,6 @@
               <a:rPr lang="en-US"/>
               <a:t>Click to edit Master text styles</a:t>
             </a:r>
-          </a:p>
-        </p:txBody>
-      </p:sp>
-      <p:sp>
-        <p:nvSpPr>
-          <p:cNvPr id="5" name="Date Placeholder 4"/>
-          <p:cNvSpPr>
-            <a:spLocks noGrp="1"/>
-          </p:cNvSpPr>
-          <p:nvPr>
-            <p:ph type="dt" sz="half" idx="10"/>
-          </p:nvPr>
-        </p:nvSpPr>
-        <p:spPr>
-          <a:xfrm>
-            <a:off x="457200" y="4767263"/>
-            <a:ext cx="2133600" cy="273844"/>
-          </a:xfrm>
-          <a:prstGeom prst="rect">
-            <a:avLst/>
-          </a:prstGeom>
-        </p:spPr>
-        <p:txBody>
-          <a:bodyPr/>
-          <a:lstStyle/>
-          <a:p>
-            <a:fld id="{241EB5C9-1307-BA42-ABA2-0BC069CD8E7F}" type="datetimeFigureOut">
-              <a:rPr lang="en-US" smtClean="0"/>
-              <a:t>12/27/24</a:t>
-            </a:fld>
-            <a:endParaRPr lang="en-US"/>
           </a:p>
         </p:txBody>
       </p:sp>
@@ -3628,37 +3415,6 @@
               <a:rPr lang="en-US"/>
               <a:t>Click to edit Master text styles</a:t>
             </a:r>
-          </a:p>
-        </p:txBody>
-      </p:sp>
-      <p:sp>
-        <p:nvSpPr>
-          <p:cNvPr id="5" name="Date Placeholder 4"/>
-          <p:cNvSpPr>
-            <a:spLocks noGrp="1"/>
-          </p:cNvSpPr>
-          <p:nvPr>
-            <p:ph type="dt" sz="half" idx="10"/>
-          </p:nvPr>
-        </p:nvSpPr>
-        <p:spPr>
-          <a:xfrm>
-            <a:off x="457200" y="4767263"/>
-            <a:ext cx="2133600" cy="273844"/>
-          </a:xfrm>
-          <a:prstGeom prst="rect">
-            <a:avLst/>
-          </a:prstGeom>
-        </p:spPr>
-        <p:txBody>
-          <a:bodyPr/>
-          <a:lstStyle/>
-          <a:p>
-            <a:fld id="{241EB5C9-1307-BA42-ABA2-0BC069CD8E7F}" type="datetimeFigureOut">
-              <a:rPr lang="en-US" smtClean="0"/>
-              <a:t>12/27/24</a:t>
-            </a:fld>
-            <a:endParaRPr lang="en-US"/>
           </a:p>
         </p:txBody>
       </p:sp>
@@ -3976,37 +3732,98 @@
           <a:p>
             <a:pPr lvl="0"/>
             <a:r>
-              <a:rPr lang="en-US" dirty="0"/>
-              <a:t>Click to edit Master text styles</a:t>
-            </a:r>
+              <a:rPr lang="hu-HU" noProof="0" dirty="0" err="1"/>
+              <a:t>Click</a:t>
+            </a:r>
+            <a:r>
+              <a:rPr lang="hu-HU" noProof="0" dirty="0"/>
+              <a:t> </a:t>
+            </a:r>
+            <a:r>
+              <a:rPr lang="hu-HU" noProof="0" dirty="0" err="1"/>
+              <a:t>to</a:t>
+            </a:r>
+            <a:r>
+              <a:rPr lang="hu-HU" noProof="0" dirty="0"/>
+              <a:t> </a:t>
+            </a:r>
+            <a:r>
+              <a:rPr lang="hu-HU" noProof="0" dirty="0" err="1"/>
+              <a:t>edit</a:t>
+            </a:r>
+            <a:r>
+              <a:rPr lang="hu-HU" noProof="0" dirty="0"/>
+              <a:t> Master text </a:t>
+            </a:r>
+            <a:r>
+              <a:rPr lang="hu-HU" noProof="0" dirty="0" err="1"/>
+              <a:t>styles</a:t>
+            </a:r>
+            <a:endParaRPr lang="hu-HU" noProof="0" dirty="0"/>
           </a:p>
           <a:p>
             <a:pPr lvl="1"/>
             <a:r>
-              <a:rPr lang="en-US" dirty="0"/>
-              <a:t>Second level</a:t>
-            </a:r>
+              <a:rPr lang="hu-HU" noProof="0" dirty="0" err="1"/>
+              <a:t>Second</a:t>
+            </a:r>
+            <a:r>
+              <a:rPr lang="hu-HU" noProof="0" dirty="0"/>
+              <a:t> </a:t>
+            </a:r>
+            <a:r>
+              <a:rPr lang="hu-HU" noProof="0" dirty="0" err="1"/>
+              <a:t>level</a:t>
+            </a:r>
+            <a:endParaRPr lang="hu-HU" noProof="0" dirty="0"/>
           </a:p>
           <a:p>
             <a:pPr lvl="2"/>
             <a:r>
-              <a:rPr lang="en-US" dirty="0"/>
-              <a:t>Third level</a:t>
-            </a:r>
+              <a:rPr lang="hu-HU" noProof="0" dirty="0" err="1"/>
+              <a:t>Third</a:t>
+            </a:r>
+            <a:r>
+              <a:rPr lang="hu-HU" noProof="0" dirty="0"/>
+              <a:t> </a:t>
+            </a:r>
+            <a:r>
+              <a:rPr lang="hu-HU" noProof="0" dirty="0" err="1"/>
+              <a:t>level</a:t>
+            </a:r>
+            <a:endParaRPr lang="hu-HU" noProof="0" dirty="0"/>
           </a:p>
           <a:p>
             <a:pPr lvl="3"/>
             <a:r>
-              <a:rPr lang="en-US" dirty="0"/>
-              <a:t>Fourth level</a:t>
-            </a:r>
+              <a:rPr lang="hu-HU" noProof="0" dirty="0" err="1"/>
+              <a:t>Fourth</a:t>
+            </a:r>
+            <a:r>
+              <a:rPr lang="hu-HU" noProof="0" dirty="0"/>
+              <a:t> </a:t>
+            </a:r>
+            <a:r>
+              <a:rPr lang="hu-HU" noProof="0" dirty="0" err="1"/>
+              <a:t>level</a:t>
+            </a:r>
+            <a:endParaRPr lang="hu-HU" noProof="0" dirty="0"/>
           </a:p>
           <a:p>
             <a:pPr lvl="4"/>
             <a:r>
-              <a:rPr lang="en-US" dirty="0"/>
-              <a:t>Fifth level</a:t>
-            </a:r>
+              <a:rPr lang="hu-HU" noProof="0" dirty="0" err="1"/>
+              <a:t>Fifth</a:t>
+            </a:r>
+            <a:r>
+              <a:rPr lang="hu-HU" noProof="0" dirty="0"/>
+              <a:t> </a:t>
+            </a:r>
+            <a:r>
+              <a:rPr lang="hu-HU" noProof="0" dirty="0" err="1"/>
+              <a:t>level</a:t>
+            </a:r>
+            <a:endParaRPr lang="hu-HU" noProof="0" dirty="0"/>
           </a:p>
         </p:txBody>
       </p:sp>
@@ -4111,8 +3928,8 @@
         </p:nvSpPr>
         <p:spPr>
           <a:xfrm>
-            <a:off x="149086" y="-19879"/>
-            <a:ext cx="7852031" cy="857250"/>
+            <a:off x="149086" y="53547"/>
+            <a:ext cx="7852031" cy="667351"/>
           </a:xfrm>
           <a:prstGeom prst="rect">
             <a:avLst/>
@@ -4125,9 +3942,42 @@
           <a:lstStyle/>
           <a:p>
             <a:r>
-              <a:rPr lang="en-US" dirty="0"/>
-              <a:t>Click to edit Master title style</a:t>
-            </a:r>
+              <a:rPr lang="hu-HU" noProof="0" dirty="0" err="1"/>
+              <a:t>Click</a:t>
+            </a:r>
+            <a:r>
+              <a:rPr lang="hu-HU" noProof="0" dirty="0"/>
+              <a:t> </a:t>
+            </a:r>
+            <a:r>
+              <a:rPr lang="hu-HU" noProof="0" dirty="0" err="1"/>
+              <a:t>to</a:t>
+            </a:r>
+            <a:r>
+              <a:rPr lang="hu-HU" noProof="0" dirty="0"/>
+              <a:t> </a:t>
+            </a:r>
+            <a:r>
+              <a:rPr lang="hu-HU" noProof="0" dirty="0" err="1"/>
+              <a:t>edit</a:t>
+            </a:r>
+            <a:r>
+              <a:rPr lang="hu-HU" noProof="0" dirty="0"/>
+              <a:t> Master </a:t>
+            </a:r>
+            <a:r>
+              <a:rPr lang="hu-HU" noProof="0" dirty="0" err="1"/>
+              <a:t>title</a:t>
+            </a:r>
+            <a:r>
+              <a:rPr lang="hu-HU" noProof="0" dirty="0"/>
+              <a:t> </a:t>
+            </a:r>
+            <a:r>
+              <a:rPr lang="hu-HU" noProof="0" dirty="0" err="1"/>
+              <a:t>style</a:t>
+            </a:r>
+            <a:endParaRPr lang="hu-HU" noProof="0" dirty="0"/>
           </a:p>
         </p:txBody>
       </p:sp>
